--- a/ppt 16-9/1410.我们藉爱子的.pptx
+++ b/ppt 16-9/1410.我们藉爱子的.pptx
@@ -129,7 +129,7 @@
           <p:cNvPr id="2" name="标题 1">
             <a:extLst>
               <a:ext uri="{FF2B5EF4-FFF2-40B4-BE49-F238E27FC236}">
-                <a16:creationId xmlns:a16="http://schemas.microsoft.com/office/drawing/2014/main" id="{742B0F6D-5064-790C-EE2F-26C01F31D817}"/>
+                <a16:creationId xmlns:a16="http://schemas.microsoft.com/office/drawing/2014/main" id="{F3E22419-EB66-6AF2-8F43-3D27DE6FFB19}"/>
               </a:ext>
             </a:extLst>
           </p:cNvPr>
@@ -166,7 +166,7 @@
           <p:cNvPr id="3" name="副标题 2">
             <a:extLst>
               <a:ext uri="{FF2B5EF4-FFF2-40B4-BE49-F238E27FC236}">
-                <a16:creationId xmlns:a16="http://schemas.microsoft.com/office/drawing/2014/main" id="{31EDE9D3-5C80-654E-AE36-304010FDEBA0}"/>
+                <a16:creationId xmlns:a16="http://schemas.microsoft.com/office/drawing/2014/main" id="{A24ABB13-7C9C-189B-56F8-28F91F9D149C}"/>
               </a:ext>
             </a:extLst>
           </p:cNvPr>
@@ -236,7 +236,7 @@
           <p:cNvPr id="4" name="日期占位符 3">
             <a:extLst>
               <a:ext uri="{FF2B5EF4-FFF2-40B4-BE49-F238E27FC236}">
-                <a16:creationId xmlns:a16="http://schemas.microsoft.com/office/drawing/2014/main" id="{477C1BD6-02EE-286A-6BB7-082516A77DB0}"/>
+                <a16:creationId xmlns:a16="http://schemas.microsoft.com/office/drawing/2014/main" id="{03C8090C-988F-3FE4-EBE9-BE07F849C2F5}"/>
               </a:ext>
             </a:extLst>
           </p:cNvPr>
@@ -252,7 +252,7 @@
           <a:bodyPr/>
           <a:lstStyle/>
           <a:p>
-            <a:fld id="{A79A9067-ADB1-4E73-928E-273DBD244C32}" type="datetimeFigureOut">
+            <a:fld id="{BD5D1127-EE06-4BC2-A588-568B5770243D}" type="datetimeFigureOut">
               <a:rPr lang="zh-CN" altLang="en-US" smtClean="0"/>
               <a:t>2024/3/10</a:t>
             </a:fld>
@@ -265,7 +265,7 @@
           <p:cNvPr id="5" name="页脚占位符 4">
             <a:extLst>
               <a:ext uri="{FF2B5EF4-FFF2-40B4-BE49-F238E27FC236}">
-                <a16:creationId xmlns:a16="http://schemas.microsoft.com/office/drawing/2014/main" id="{9B1652D6-8FDF-333A-08FB-41C557F98FED}"/>
+                <a16:creationId xmlns:a16="http://schemas.microsoft.com/office/drawing/2014/main" id="{38EA3EBA-8FD6-786B-9D40-76AE87D62D39}"/>
               </a:ext>
             </a:extLst>
           </p:cNvPr>
@@ -290,7 +290,7 @@
           <p:cNvPr id="6" name="灯片编号占位符 5">
             <a:extLst>
               <a:ext uri="{FF2B5EF4-FFF2-40B4-BE49-F238E27FC236}">
-                <a16:creationId xmlns:a16="http://schemas.microsoft.com/office/drawing/2014/main" id="{81EC3FA3-DE16-0FD2-F81A-861C6A3CB4E4}"/>
+                <a16:creationId xmlns:a16="http://schemas.microsoft.com/office/drawing/2014/main" id="{D86D4D61-252A-993A-92A1-126A6334FB02}"/>
               </a:ext>
             </a:extLst>
           </p:cNvPr>
@@ -306,7 +306,7 @@
           <a:bodyPr/>
           <a:lstStyle/>
           <a:p>
-            <a:fld id="{A706024D-AE95-4A25-80A2-9B8F6485674B}" type="slidenum">
+            <a:fld id="{8541A7D5-5B32-44A0-BB33-EDD320D52431}" type="slidenum">
               <a:rPr lang="zh-CN" altLang="en-US" smtClean="0"/>
               <a:t>‹#›</a:t>
             </a:fld>
@@ -317,7 +317,7 @@
     </p:spTree>
     <p:extLst>
       <p:ext uri="{BB962C8B-B14F-4D97-AF65-F5344CB8AC3E}">
-        <p14:creationId xmlns:p14="http://schemas.microsoft.com/office/powerpoint/2010/main" val="1215503680"/>
+        <p14:creationId xmlns:p14="http://schemas.microsoft.com/office/powerpoint/2010/main" val="3373136529"/>
       </p:ext>
     </p:extLst>
   </p:cSld>
@@ -349,7 +349,7 @@
           <p:cNvPr id="2" name="标题 1">
             <a:extLst>
               <a:ext uri="{FF2B5EF4-FFF2-40B4-BE49-F238E27FC236}">
-                <a16:creationId xmlns:a16="http://schemas.microsoft.com/office/drawing/2014/main" id="{58E97716-23CA-E6D8-4A49-5C62C11C38D9}"/>
+                <a16:creationId xmlns:a16="http://schemas.microsoft.com/office/drawing/2014/main" id="{9B7BECC7-658D-73B4-DBDD-BFFD79A29E84}"/>
               </a:ext>
             </a:extLst>
           </p:cNvPr>
@@ -377,7 +377,7 @@
           <p:cNvPr id="3" name="竖排文字占位符 2">
             <a:extLst>
               <a:ext uri="{FF2B5EF4-FFF2-40B4-BE49-F238E27FC236}">
-                <a16:creationId xmlns:a16="http://schemas.microsoft.com/office/drawing/2014/main" id="{CCCEA0D0-2AED-C8FC-8A14-C519D6DE04BF}"/>
+                <a16:creationId xmlns:a16="http://schemas.microsoft.com/office/drawing/2014/main" id="{033428F0-AB04-8F26-C677-C87D5A794382}"/>
               </a:ext>
             </a:extLst>
           </p:cNvPr>
@@ -434,7 +434,7 @@
           <p:cNvPr id="4" name="日期占位符 3">
             <a:extLst>
               <a:ext uri="{FF2B5EF4-FFF2-40B4-BE49-F238E27FC236}">
-                <a16:creationId xmlns:a16="http://schemas.microsoft.com/office/drawing/2014/main" id="{060130EF-B787-E150-7C89-B4AC581B3FB5}"/>
+                <a16:creationId xmlns:a16="http://schemas.microsoft.com/office/drawing/2014/main" id="{4290E437-86BE-5A87-77AC-B99BBF7CB86B}"/>
               </a:ext>
             </a:extLst>
           </p:cNvPr>
@@ -450,7 +450,7 @@
           <a:bodyPr/>
           <a:lstStyle/>
           <a:p>
-            <a:fld id="{A79A9067-ADB1-4E73-928E-273DBD244C32}" type="datetimeFigureOut">
+            <a:fld id="{BD5D1127-EE06-4BC2-A588-568B5770243D}" type="datetimeFigureOut">
               <a:rPr lang="zh-CN" altLang="en-US" smtClean="0"/>
               <a:t>2024/3/10</a:t>
             </a:fld>
@@ -463,7 +463,7 @@
           <p:cNvPr id="5" name="页脚占位符 4">
             <a:extLst>
               <a:ext uri="{FF2B5EF4-FFF2-40B4-BE49-F238E27FC236}">
-                <a16:creationId xmlns:a16="http://schemas.microsoft.com/office/drawing/2014/main" id="{AE334FC5-05F1-A432-33D6-BD564D804BCD}"/>
+                <a16:creationId xmlns:a16="http://schemas.microsoft.com/office/drawing/2014/main" id="{E0A474D5-C850-A120-ED62-E744E5F446F3}"/>
               </a:ext>
             </a:extLst>
           </p:cNvPr>
@@ -488,7 +488,7 @@
           <p:cNvPr id="6" name="灯片编号占位符 5">
             <a:extLst>
               <a:ext uri="{FF2B5EF4-FFF2-40B4-BE49-F238E27FC236}">
-                <a16:creationId xmlns:a16="http://schemas.microsoft.com/office/drawing/2014/main" id="{7D456581-8CF4-F815-61F2-538EE21A9EAB}"/>
+                <a16:creationId xmlns:a16="http://schemas.microsoft.com/office/drawing/2014/main" id="{D92E67D2-AFBB-CF95-889D-9BBF491CE997}"/>
               </a:ext>
             </a:extLst>
           </p:cNvPr>
@@ -504,7 +504,7 @@
           <a:bodyPr/>
           <a:lstStyle/>
           <a:p>
-            <a:fld id="{A706024D-AE95-4A25-80A2-9B8F6485674B}" type="slidenum">
+            <a:fld id="{8541A7D5-5B32-44A0-BB33-EDD320D52431}" type="slidenum">
               <a:rPr lang="zh-CN" altLang="en-US" smtClean="0"/>
               <a:t>‹#›</a:t>
             </a:fld>
@@ -515,7 +515,7 @@
     </p:spTree>
     <p:extLst>
       <p:ext uri="{BB962C8B-B14F-4D97-AF65-F5344CB8AC3E}">
-        <p14:creationId xmlns:p14="http://schemas.microsoft.com/office/powerpoint/2010/main" val="2450894742"/>
+        <p14:creationId xmlns:p14="http://schemas.microsoft.com/office/powerpoint/2010/main" val="1480483535"/>
       </p:ext>
     </p:extLst>
   </p:cSld>
@@ -547,7 +547,7 @@
           <p:cNvPr id="2" name="竖排标题 1">
             <a:extLst>
               <a:ext uri="{FF2B5EF4-FFF2-40B4-BE49-F238E27FC236}">
-                <a16:creationId xmlns:a16="http://schemas.microsoft.com/office/drawing/2014/main" id="{C99F4B89-B80F-AD17-D566-04B4580E546B}"/>
+                <a16:creationId xmlns:a16="http://schemas.microsoft.com/office/drawing/2014/main" id="{81830214-259A-C97E-C722-963BB67F9075}"/>
               </a:ext>
             </a:extLst>
           </p:cNvPr>
@@ -580,7 +580,7 @@
           <p:cNvPr id="3" name="竖排文字占位符 2">
             <a:extLst>
               <a:ext uri="{FF2B5EF4-FFF2-40B4-BE49-F238E27FC236}">
-                <a16:creationId xmlns:a16="http://schemas.microsoft.com/office/drawing/2014/main" id="{FE14C4AB-5D14-AA98-AB54-438E54318E12}"/>
+                <a16:creationId xmlns:a16="http://schemas.microsoft.com/office/drawing/2014/main" id="{942E6737-1910-352E-0BFC-58848EC8ADF7}"/>
               </a:ext>
             </a:extLst>
           </p:cNvPr>
@@ -642,7 +642,7 @@
           <p:cNvPr id="4" name="日期占位符 3">
             <a:extLst>
               <a:ext uri="{FF2B5EF4-FFF2-40B4-BE49-F238E27FC236}">
-                <a16:creationId xmlns:a16="http://schemas.microsoft.com/office/drawing/2014/main" id="{90D9B30F-B858-E143-7F2D-B68FCCB53706}"/>
+                <a16:creationId xmlns:a16="http://schemas.microsoft.com/office/drawing/2014/main" id="{DEA3E453-465A-ECE3-19C3-5979E91242B6}"/>
               </a:ext>
             </a:extLst>
           </p:cNvPr>
@@ -658,7 +658,7 @@
           <a:bodyPr/>
           <a:lstStyle/>
           <a:p>
-            <a:fld id="{A79A9067-ADB1-4E73-928E-273DBD244C32}" type="datetimeFigureOut">
+            <a:fld id="{BD5D1127-EE06-4BC2-A588-568B5770243D}" type="datetimeFigureOut">
               <a:rPr lang="zh-CN" altLang="en-US" smtClean="0"/>
               <a:t>2024/3/10</a:t>
             </a:fld>
@@ -671,7 +671,7 @@
           <p:cNvPr id="5" name="页脚占位符 4">
             <a:extLst>
               <a:ext uri="{FF2B5EF4-FFF2-40B4-BE49-F238E27FC236}">
-                <a16:creationId xmlns:a16="http://schemas.microsoft.com/office/drawing/2014/main" id="{76CFEC28-CE91-5E3D-2F39-0FD27236D0A8}"/>
+                <a16:creationId xmlns:a16="http://schemas.microsoft.com/office/drawing/2014/main" id="{5CD24197-E19F-7404-A0F9-AD389FF536C6}"/>
               </a:ext>
             </a:extLst>
           </p:cNvPr>
@@ -696,7 +696,7 @@
           <p:cNvPr id="6" name="灯片编号占位符 5">
             <a:extLst>
               <a:ext uri="{FF2B5EF4-FFF2-40B4-BE49-F238E27FC236}">
-                <a16:creationId xmlns:a16="http://schemas.microsoft.com/office/drawing/2014/main" id="{0B6B2101-6CF7-4088-BA0F-4752BC5958DC}"/>
+                <a16:creationId xmlns:a16="http://schemas.microsoft.com/office/drawing/2014/main" id="{F5031A24-34D7-F328-445C-CC3BEF5ABD50}"/>
               </a:ext>
             </a:extLst>
           </p:cNvPr>
@@ -712,7 +712,7 @@
           <a:bodyPr/>
           <a:lstStyle/>
           <a:p>
-            <a:fld id="{A706024D-AE95-4A25-80A2-9B8F6485674B}" type="slidenum">
+            <a:fld id="{8541A7D5-5B32-44A0-BB33-EDD320D52431}" type="slidenum">
               <a:rPr lang="zh-CN" altLang="en-US" smtClean="0"/>
               <a:t>‹#›</a:t>
             </a:fld>
@@ -723,7 +723,7 @@
     </p:spTree>
     <p:extLst>
       <p:ext uri="{BB962C8B-B14F-4D97-AF65-F5344CB8AC3E}">
-        <p14:creationId xmlns:p14="http://schemas.microsoft.com/office/powerpoint/2010/main" val="4237610960"/>
+        <p14:creationId xmlns:p14="http://schemas.microsoft.com/office/powerpoint/2010/main" val="711587311"/>
       </p:ext>
     </p:extLst>
   </p:cSld>
@@ -755,7 +755,7 @@
           <p:cNvPr id="2" name="标题 1">
             <a:extLst>
               <a:ext uri="{FF2B5EF4-FFF2-40B4-BE49-F238E27FC236}">
-                <a16:creationId xmlns:a16="http://schemas.microsoft.com/office/drawing/2014/main" id="{CC0F09CD-1FF1-F7C1-6DF7-3D7F431553C5}"/>
+                <a16:creationId xmlns:a16="http://schemas.microsoft.com/office/drawing/2014/main" id="{A772B14B-6F02-C81D-C01A-3215463EFEC4}"/>
               </a:ext>
             </a:extLst>
           </p:cNvPr>
@@ -783,7 +783,7 @@
           <p:cNvPr id="3" name="内容占位符 2">
             <a:extLst>
               <a:ext uri="{FF2B5EF4-FFF2-40B4-BE49-F238E27FC236}">
-                <a16:creationId xmlns:a16="http://schemas.microsoft.com/office/drawing/2014/main" id="{001BDA07-5B41-48B5-2443-5660ED871A89}"/>
+                <a16:creationId xmlns:a16="http://schemas.microsoft.com/office/drawing/2014/main" id="{B7950F0B-82D0-9CA7-BBA7-C1F7EC23BF67}"/>
               </a:ext>
             </a:extLst>
           </p:cNvPr>
@@ -840,7 +840,7 @@
           <p:cNvPr id="4" name="日期占位符 3">
             <a:extLst>
               <a:ext uri="{FF2B5EF4-FFF2-40B4-BE49-F238E27FC236}">
-                <a16:creationId xmlns:a16="http://schemas.microsoft.com/office/drawing/2014/main" id="{47E44F5B-A741-9E5A-2B86-0D26107F2996}"/>
+                <a16:creationId xmlns:a16="http://schemas.microsoft.com/office/drawing/2014/main" id="{64E53E78-FC14-CED8-C92D-A2ABFC15A9B8}"/>
               </a:ext>
             </a:extLst>
           </p:cNvPr>
@@ -856,7 +856,7 @@
           <a:bodyPr/>
           <a:lstStyle/>
           <a:p>
-            <a:fld id="{A79A9067-ADB1-4E73-928E-273DBD244C32}" type="datetimeFigureOut">
+            <a:fld id="{BD5D1127-EE06-4BC2-A588-568B5770243D}" type="datetimeFigureOut">
               <a:rPr lang="zh-CN" altLang="en-US" smtClean="0"/>
               <a:t>2024/3/10</a:t>
             </a:fld>
@@ -869,7 +869,7 @@
           <p:cNvPr id="5" name="页脚占位符 4">
             <a:extLst>
               <a:ext uri="{FF2B5EF4-FFF2-40B4-BE49-F238E27FC236}">
-                <a16:creationId xmlns:a16="http://schemas.microsoft.com/office/drawing/2014/main" id="{86CC42EE-FC29-471B-034F-223D89BA929B}"/>
+                <a16:creationId xmlns:a16="http://schemas.microsoft.com/office/drawing/2014/main" id="{DC4D5849-0EC2-1EF5-FE17-DB7EA822987C}"/>
               </a:ext>
             </a:extLst>
           </p:cNvPr>
@@ -894,7 +894,7 @@
           <p:cNvPr id="6" name="灯片编号占位符 5">
             <a:extLst>
               <a:ext uri="{FF2B5EF4-FFF2-40B4-BE49-F238E27FC236}">
-                <a16:creationId xmlns:a16="http://schemas.microsoft.com/office/drawing/2014/main" id="{D3EEA1D3-C522-F4F4-73BA-6E8E0A79559A}"/>
+                <a16:creationId xmlns:a16="http://schemas.microsoft.com/office/drawing/2014/main" id="{24DE465A-9D82-6D5B-357F-4C8CF4E32CA0}"/>
               </a:ext>
             </a:extLst>
           </p:cNvPr>
@@ -910,7 +910,7 @@
           <a:bodyPr/>
           <a:lstStyle/>
           <a:p>
-            <a:fld id="{A706024D-AE95-4A25-80A2-9B8F6485674B}" type="slidenum">
+            <a:fld id="{8541A7D5-5B32-44A0-BB33-EDD320D52431}" type="slidenum">
               <a:rPr lang="zh-CN" altLang="en-US" smtClean="0"/>
               <a:t>‹#›</a:t>
             </a:fld>
@@ -921,7 +921,7 @@
     </p:spTree>
     <p:extLst>
       <p:ext uri="{BB962C8B-B14F-4D97-AF65-F5344CB8AC3E}">
-        <p14:creationId xmlns:p14="http://schemas.microsoft.com/office/powerpoint/2010/main" val="672175971"/>
+        <p14:creationId xmlns:p14="http://schemas.microsoft.com/office/powerpoint/2010/main" val="1043588007"/>
       </p:ext>
     </p:extLst>
   </p:cSld>
@@ -953,7 +953,7 @@
           <p:cNvPr id="2" name="标题 1">
             <a:extLst>
               <a:ext uri="{FF2B5EF4-FFF2-40B4-BE49-F238E27FC236}">
-                <a16:creationId xmlns:a16="http://schemas.microsoft.com/office/drawing/2014/main" id="{8806CB93-5F83-41D1-5EA6-366EE044F7A6}"/>
+                <a16:creationId xmlns:a16="http://schemas.microsoft.com/office/drawing/2014/main" id="{304B6BAB-E89E-7A88-E3E9-FECB4D93E92C}"/>
               </a:ext>
             </a:extLst>
           </p:cNvPr>
@@ -990,7 +990,7 @@
           <p:cNvPr id="3" name="文本占位符 2">
             <a:extLst>
               <a:ext uri="{FF2B5EF4-FFF2-40B4-BE49-F238E27FC236}">
-                <a16:creationId xmlns:a16="http://schemas.microsoft.com/office/drawing/2014/main" id="{6FA8A32B-A98D-8F6E-2A62-686C89D8AEE1}"/>
+                <a16:creationId xmlns:a16="http://schemas.microsoft.com/office/drawing/2014/main" id="{8F2A0489-B7BB-0BB7-2D86-830614368F76}"/>
               </a:ext>
             </a:extLst>
           </p:cNvPr>
@@ -1115,7 +1115,7 @@
           <p:cNvPr id="4" name="日期占位符 3">
             <a:extLst>
               <a:ext uri="{FF2B5EF4-FFF2-40B4-BE49-F238E27FC236}">
-                <a16:creationId xmlns:a16="http://schemas.microsoft.com/office/drawing/2014/main" id="{C41F85CD-02F0-4814-A3F0-743C6E044D92}"/>
+                <a16:creationId xmlns:a16="http://schemas.microsoft.com/office/drawing/2014/main" id="{FB840D53-8EA3-38B8-B8F8-0772DEAB2CB3}"/>
               </a:ext>
             </a:extLst>
           </p:cNvPr>
@@ -1131,7 +1131,7 @@
           <a:bodyPr/>
           <a:lstStyle/>
           <a:p>
-            <a:fld id="{A79A9067-ADB1-4E73-928E-273DBD244C32}" type="datetimeFigureOut">
+            <a:fld id="{BD5D1127-EE06-4BC2-A588-568B5770243D}" type="datetimeFigureOut">
               <a:rPr lang="zh-CN" altLang="en-US" smtClean="0"/>
               <a:t>2024/3/10</a:t>
             </a:fld>
@@ -1144,7 +1144,7 @@
           <p:cNvPr id="5" name="页脚占位符 4">
             <a:extLst>
               <a:ext uri="{FF2B5EF4-FFF2-40B4-BE49-F238E27FC236}">
-                <a16:creationId xmlns:a16="http://schemas.microsoft.com/office/drawing/2014/main" id="{84A3CA2F-530E-9158-7959-AB0B805C212E}"/>
+                <a16:creationId xmlns:a16="http://schemas.microsoft.com/office/drawing/2014/main" id="{10B26362-060D-82D8-524D-908B16243380}"/>
               </a:ext>
             </a:extLst>
           </p:cNvPr>
@@ -1169,7 +1169,7 @@
           <p:cNvPr id="6" name="灯片编号占位符 5">
             <a:extLst>
               <a:ext uri="{FF2B5EF4-FFF2-40B4-BE49-F238E27FC236}">
-                <a16:creationId xmlns:a16="http://schemas.microsoft.com/office/drawing/2014/main" id="{8EFD4B69-737F-7860-0507-F61310823C8F}"/>
+                <a16:creationId xmlns:a16="http://schemas.microsoft.com/office/drawing/2014/main" id="{B8D06611-1AF2-92B6-D734-51846E1916F8}"/>
               </a:ext>
             </a:extLst>
           </p:cNvPr>
@@ -1185,7 +1185,7 @@
           <a:bodyPr/>
           <a:lstStyle/>
           <a:p>
-            <a:fld id="{A706024D-AE95-4A25-80A2-9B8F6485674B}" type="slidenum">
+            <a:fld id="{8541A7D5-5B32-44A0-BB33-EDD320D52431}" type="slidenum">
               <a:rPr lang="zh-CN" altLang="en-US" smtClean="0"/>
               <a:t>‹#›</a:t>
             </a:fld>
@@ -1196,7 +1196,7 @@
     </p:spTree>
     <p:extLst>
       <p:ext uri="{BB962C8B-B14F-4D97-AF65-F5344CB8AC3E}">
-        <p14:creationId xmlns:p14="http://schemas.microsoft.com/office/powerpoint/2010/main" val="3311564674"/>
+        <p14:creationId xmlns:p14="http://schemas.microsoft.com/office/powerpoint/2010/main" val="106501377"/>
       </p:ext>
     </p:extLst>
   </p:cSld>
@@ -1228,7 +1228,7 @@
           <p:cNvPr id="2" name="标题 1">
             <a:extLst>
               <a:ext uri="{FF2B5EF4-FFF2-40B4-BE49-F238E27FC236}">
-                <a16:creationId xmlns:a16="http://schemas.microsoft.com/office/drawing/2014/main" id="{D6EA3648-C758-DCF6-A6F9-AE7906CFAA30}"/>
+                <a16:creationId xmlns:a16="http://schemas.microsoft.com/office/drawing/2014/main" id="{2BF5723A-F3D3-598F-3254-555A95AF1C6A}"/>
               </a:ext>
             </a:extLst>
           </p:cNvPr>
@@ -1256,7 +1256,7 @@
           <p:cNvPr id="3" name="内容占位符 2">
             <a:extLst>
               <a:ext uri="{FF2B5EF4-FFF2-40B4-BE49-F238E27FC236}">
-                <a16:creationId xmlns:a16="http://schemas.microsoft.com/office/drawing/2014/main" id="{D7867B5B-7CE4-6760-B6D1-6C6B641003F3}"/>
+                <a16:creationId xmlns:a16="http://schemas.microsoft.com/office/drawing/2014/main" id="{38671561-65FD-BC18-840A-F9C4843FB317}"/>
               </a:ext>
             </a:extLst>
           </p:cNvPr>
@@ -1318,7 +1318,7 @@
           <p:cNvPr id="4" name="内容占位符 3">
             <a:extLst>
               <a:ext uri="{FF2B5EF4-FFF2-40B4-BE49-F238E27FC236}">
-                <a16:creationId xmlns:a16="http://schemas.microsoft.com/office/drawing/2014/main" id="{538601E5-94DA-369E-42FD-8E01EEA3A13A}"/>
+                <a16:creationId xmlns:a16="http://schemas.microsoft.com/office/drawing/2014/main" id="{2BF50354-B104-ACA7-99A6-A83F6A68D0B6}"/>
               </a:ext>
             </a:extLst>
           </p:cNvPr>
@@ -1380,7 +1380,7 @@
           <p:cNvPr id="5" name="日期占位符 4">
             <a:extLst>
               <a:ext uri="{FF2B5EF4-FFF2-40B4-BE49-F238E27FC236}">
-                <a16:creationId xmlns:a16="http://schemas.microsoft.com/office/drawing/2014/main" id="{DCF4A5F9-9223-7451-626E-86D111489291}"/>
+                <a16:creationId xmlns:a16="http://schemas.microsoft.com/office/drawing/2014/main" id="{1133B422-D9F0-1B61-5B71-F678DC0D091C}"/>
               </a:ext>
             </a:extLst>
           </p:cNvPr>
@@ -1396,7 +1396,7 @@
           <a:bodyPr/>
           <a:lstStyle/>
           <a:p>
-            <a:fld id="{A79A9067-ADB1-4E73-928E-273DBD244C32}" type="datetimeFigureOut">
+            <a:fld id="{BD5D1127-EE06-4BC2-A588-568B5770243D}" type="datetimeFigureOut">
               <a:rPr lang="zh-CN" altLang="en-US" smtClean="0"/>
               <a:t>2024/3/10</a:t>
             </a:fld>
@@ -1409,7 +1409,7 @@
           <p:cNvPr id="6" name="页脚占位符 5">
             <a:extLst>
               <a:ext uri="{FF2B5EF4-FFF2-40B4-BE49-F238E27FC236}">
-                <a16:creationId xmlns:a16="http://schemas.microsoft.com/office/drawing/2014/main" id="{A1538509-D844-CDCE-440B-92C6D8BBA47A}"/>
+                <a16:creationId xmlns:a16="http://schemas.microsoft.com/office/drawing/2014/main" id="{FE87384E-C694-E37D-BB0D-DF49843A0EE5}"/>
               </a:ext>
             </a:extLst>
           </p:cNvPr>
@@ -1434,7 +1434,7 @@
           <p:cNvPr id="7" name="灯片编号占位符 6">
             <a:extLst>
               <a:ext uri="{FF2B5EF4-FFF2-40B4-BE49-F238E27FC236}">
-                <a16:creationId xmlns:a16="http://schemas.microsoft.com/office/drawing/2014/main" id="{29737A1A-381B-733A-CB5B-47062CB5EC4E}"/>
+                <a16:creationId xmlns:a16="http://schemas.microsoft.com/office/drawing/2014/main" id="{693D39A2-B294-29DE-B328-BEA9A5ABF16B}"/>
               </a:ext>
             </a:extLst>
           </p:cNvPr>
@@ -1450,7 +1450,7 @@
           <a:bodyPr/>
           <a:lstStyle/>
           <a:p>
-            <a:fld id="{A706024D-AE95-4A25-80A2-9B8F6485674B}" type="slidenum">
+            <a:fld id="{8541A7D5-5B32-44A0-BB33-EDD320D52431}" type="slidenum">
               <a:rPr lang="zh-CN" altLang="en-US" smtClean="0"/>
               <a:t>‹#›</a:t>
             </a:fld>
@@ -1461,7 +1461,7 @@
     </p:spTree>
     <p:extLst>
       <p:ext uri="{BB962C8B-B14F-4D97-AF65-F5344CB8AC3E}">
-        <p14:creationId xmlns:p14="http://schemas.microsoft.com/office/powerpoint/2010/main" val="3208003577"/>
+        <p14:creationId xmlns:p14="http://schemas.microsoft.com/office/powerpoint/2010/main" val="753710021"/>
       </p:ext>
     </p:extLst>
   </p:cSld>
@@ -1493,7 +1493,7 @@
           <p:cNvPr id="2" name="标题 1">
             <a:extLst>
               <a:ext uri="{FF2B5EF4-FFF2-40B4-BE49-F238E27FC236}">
-                <a16:creationId xmlns:a16="http://schemas.microsoft.com/office/drawing/2014/main" id="{2697AF30-0CFF-4F6C-79AD-D6804F89B9C2}"/>
+                <a16:creationId xmlns:a16="http://schemas.microsoft.com/office/drawing/2014/main" id="{AAB67F40-4D6D-0FB9-3929-2CF18AFD0B92}"/>
               </a:ext>
             </a:extLst>
           </p:cNvPr>
@@ -1526,7 +1526,7 @@
           <p:cNvPr id="3" name="文本占位符 2">
             <a:extLst>
               <a:ext uri="{FF2B5EF4-FFF2-40B4-BE49-F238E27FC236}">
-                <a16:creationId xmlns:a16="http://schemas.microsoft.com/office/drawing/2014/main" id="{C5A54B9A-234A-1D16-07B4-37975B3C0FA0}"/>
+                <a16:creationId xmlns:a16="http://schemas.microsoft.com/office/drawing/2014/main" id="{A7B6C915-F030-401E-C256-CC409A0857D3}"/>
               </a:ext>
             </a:extLst>
           </p:cNvPr>
@@ -1597,7 +1597,7 @@
           <p:cNvPr id="4" name="内容占位符 3">
             <a:extLst>
               <a:ext uri="{FF2B5EF4-FFF2-40B4-BE49-F238E27FC236}">
-                <a16:creationId xmlns:a16="http://schemas.microsoft.com/office/drawing/2014/main" id="{F67632BC-F029-9F7F-6415-E3412E2EE5DE}"/>
+                <a16:creationId xmlns:a16="http://schemas.microsoft.com/office/drawing/2014/main" id="{ED6087A4-5CD8-B1D1-8844-FBA21092DDB6}"/>
               </a:ext>
             </a:extLst>
           </p:cNvPr>
@@ -1659,7 +1659,7 @@
           <p:cNvPr id="5" name="文本占位符 4">
             <a:extLst>
               <a:ext uri="{FF2B5EF4-FFF2-40B4-BE49-F238E27FC236}">
-                <a16:creationId xmlns:a16="http://schemas.microsoft.com/office/drawing/2014/main" id="{E515075E-C064-BB57-4944-BFF8DF2536A5}"/>
+                <a16:creationId xmlns:a16="http://schemas.microsoft.com/office/drawing/2014/main" id="{00703883-83BE-74B0-01F4-87E16A74A727}"/>
               </a:ext>
             </a:extLst>
           </p:cNvPr>
@@ -1730,7 +1730,7 @@
           <p:cNvPr id="6" name="内容占位符 5">
             <a:extLst>
               <a:ext uri="{FF2B5EF4-FFF2-40B4-BE49-F238E27FC236}">
-                <a16:creationId xmlns:a16="http://schemas.microsoft.com/office/drawing/2014/main" id="{C01CA7EB-E53A-2DE5-9761-B8D2CBD8A93E}"/>
+                <a16:creationId xmlns:a16="http://schemas.microsoft.com/office/drawing/2014/main" id="{E938EA79-3463-FB54-7403-DB4A84CD00A0}"/>
               </a:ext>
             </a:extLst>
           </p:cNvPr>
@@ -1792,7 +1792,7 @@
           <p:cNvPr id="7" name="日期占位符 6">
             <a:extLst>
               <a:ext uri="{FF2B5EF4-FFF2-40B4-BE49-F238E27FC236}">
-                <a16:creationId xmlns:a16="http://schemas.microsoft.com/office/drawing/2014/main" id="{DE5D0B21-F118-B130-155C-DCE53088FE9E}"/>
+                <a16:creationId xmlns:a16="http://schemas.microsoft.com/office/drawing/2014/main" id="{F4E7B36A-C64D-04E3-1870-CA5F56906038}"/>
               </a:ext>
             </a:extLst>
           </p:cNvPr>
@@ -1808,7 +1808,7 @@
           <a:bodyPr/>
           <a:lstStyle/>
           <a:p>
-            <a:fld id="{A79A9067-ADB1-4E73-928E-273DBD244C32}" type="datetimeFigureOut">
+            <a:fld id="{BD5D1127-EE06-4BC2-A588-568B5770243D}" type="datetimeFigureOut">
               <a:rPr lang="zh-CN" altLang="en-US" smtClean="0"/>
               <a:t>2024/3/10</a:t>
             </a:fld>
@@ -1821,7 +1821,7 @@
           <p:cNvPr id="8" name="页脚占位符 7">
             <a:extLst>
               <a:ext uri="{FF2B5EF4-FFF2-40B4-BE49-F238E27FC236}">
-                <a16:creationId xmlns:a16="http://schemas.microsoft.com/office/drawing/2014/main" id="{9DA91837-FC28-C2A6-FCA0-6230782B03E5}"/>
+                <a16:creationId xmlns:a16="http://schemas.microsoft.com/office/drawing/2014/main" id="{08B772B5-6C7F-ADBA-BD21-5057F452ED47}"/>
               </a:ext>
             </a:extLst>
           </p:cNvPr>
@@ -1846,7 +1846,7 @@
           <p:cNvPr id="9" name="灯片编号占位符 8">
             <a:extLst>
               <a:ext uri="{FF2B5EF4-FFF2-40B4-BE49-F238E27FC236}">
-                <a16:creationId xmlns:a16="http://schemas.microsoft.com/office/drawing/2014/main" id="{72F0A607-E7CB-A773-04D7-CE26DCD5AB15}"/>
+                <a16:creationId xmlns:a16="http://schemas.microsoft.com/office/drawing/2014/main" id="{06005B7A-6F95-71BF-D496-32E2A9ADB914}"/>
               </a:ext>
             </a:extLst>
           </p:cNvPr>
@@ -1862,7 +1862,7 @@
           <a:bodyPr/>
           <a:lstStyle/>
           <a:p>
-            <a:fld id="{A706024D-AE95-4A25-80A2-9B8F6485674B}" type="slidenum">
+            <a:fld id="{8541A7D5-5B32-44A0-BB33-EDD320D52431}" type="slidenum">
               <a:rPr lang="zh-CN" altLang="en-US" smtClean="0"/>
               <a:t>‹#›</a:t>
             </a:fld>
@@ -1873,7 +1873,7 @@
     </p:spTree>
     <p:extLst>
       <p:ext uri="{BB962C8B-B14F-4D97-AF65-F5344CB8AC3E}">
-        <p14:creationId xmlns:p14="http://schemas.microsoft.com/office/powerpoint/2010/main" val="1467737759"/>
+        <p14:creationId xmlns:p14="http://schemas.microsoft.com/office/powerpoint/2010/main" val="1411064595"/>
       </p:ext>
     </p:extLst>
   </p:cSld>
@@ -1905,7 +1905,7 @@
           <p:cNvPr id="2" name="标题 1">
             <a:extLst>
               <a:ext uri="{FF2B5EF4-FFF2-40B4-BE49-F238E27FC236}">
-                <a16:creationId xmlns:a16="http://schemas.microsoft.com/office/drawing/2014/main" id="{037FDDEB-66F9-308F-AD88-A6C77988AFDD}"/>
+                <a16:creationId xmlns:a16="http://schemas.microsoft.com/office/drawing/2014/main" id="{7FA0CBAD-188D-5C34-BC7E-92DC89EDB94F}"/>
               </a:ext>
             </a:extLst>
           </p:cNvPr>
@@ -1933,7 +1933,7 @@
           <p:cNvPr id="3" name="日期占位符 2">
             <a:extLst>
               <a:ext uri="{FF2B5EF4-FFF2-40B4-BE49-F238E27FC236}">
-                <a16:creationId xmlns:a16="http://schemas.microsoft.com/office/drawing/2014/main" id="{C4704670-E748-DA5E-CC99-DA04CCF86613}"/>
+                <a16:creationId xmlns:a16="http://schemas.microsoft.com/office/drawing/2014/main" id="{FCF34AF6-0605-B71D-845A-D7193444D91C}"/>
               </a:ext>
             </a:extLst>
           </p:cNvPr>
@@ -1949,7 +1949,7 @@
           <a:bodyPr/>
           <a:lstStyle/>
           <a:p>
-            <a:fld id="{A79A9067-ADB1-4E73-928E-273DBD244C32}" type="datetimeFigureOut">
+            <a:fld id="{BD5D1127-EE06-4BC2-A588-568B5770243D}" type="datetimeFigureOut">
               <a:rPr lang="zh-CN" altLang="en-US" smtClean="0"/>
               <a:t>2024/3/10</a:t>
             </a:fld>
@@ -1962,7 +1962,7 @@
           <p:cNvPr id="4" name="页脚占位符 3">
             <a:extLst>
               <a:ext uri="{FF2B5EF4-FFF2-40B4-BE49-F238E27FC236}">
-                <a16:creationId xmlns:a16="http://schemas.microsoft.com/office/drawing/2014/main" id="{854CE74D-794E-3E54-9F5D-FF72919A092B}"/>
+                <a16:creationId xmlns:a16="http://schemas.microsoft.com/office/drawing/2014/main" id="{E0ECC11E-67E7-EF00-7B67-BC59F74682D2}"/>
               </a:ext>
             </a:extLst>
           </p:cNvPr>
@@ -1987,7 +1987,7 @@
           <p:cNvPr id="5" name="灯片编号占位符 4">
             <a:extLst>
               <a:ext uri="{FF2B5EF4-FFF2-40B4-BE49-F238E27FC236}">
-                <a16:creationId xmlns:a16="http://schemas.microsoft.com/office/drawing/2014/main" id="{FA1A2B56-54EA-7CA5-2565-F5FC6CE0BF80}"/>
+                <a16:creationId xmlns:a16="http://schemas.microsoft.com/office/drawing/2014/main" id="{4B063196-574E-56A2-B0B8-CD7445533B94}"/>
               </a:ext>
             </a:extLst>
           </p:cNvPr>
@@ -2003,7 +2003,7 @@
           <a:bodyPr/>
           <a:lstStyle/>
           <a:p>
-            <a:fld id="{A706024D-AE95-4A25-80A2-9B8F6485674B}" type="slidenum">
+            <a:fld id="{8541A7D5-5B32-44A0-BB33-EDD320D52431}" type="slidenum">
               <a:rPr lang="zh-CN" altLang="en-US" smtClean="0"/>
               <a:t>‹#›</a:t>
             </a:fld>
@@ -2014,7 +2014,7 @@
     </p:spTree>
     <p:extLst>
       <p:ext uri="{BB962C8B-B14F-4D97-AF65-F5344CB8AC3E}">
-        <p14:creationId xmlns:p14="http://schemas.microsoft.com/office/powerpoint/2010/main" val="2303216607"/>
+        <p14:creationId xmlns:p14="http://schemas.microsoft.com/office/powerpoint/2010/main" val="3951499883"/>
       </p:ext>
     </p:extLst>
   </p:cSld>
@@ -2046,7 +2046,7 @@
           <p:cNvPr id="2" name="日期占位符 1">
             <a:extLst>
               <a:ext uri="{FF2B5EF4-FFF2-40B4-BE49-F238E27FC236}">
-                <a16:creationId xmlns:a16="http://schemas.microsoft.com/office/drawing/2014/main" id="{2A3BA693-184B-2155-90E8-3A21DBFBC482}"/>
+                <a16:creationId xmlns:a16="http://schemas.microsoft.com/office/drawing/2014/main" id="{9C1642CC-D344-8E14-3381-8B4D85D0C227}"/>
               </a:ext>
             </a:extLst>
           </p:cNvPr>
@@ -2062,7 +2062,7 @@
           <a:bodyPr/>
           <a:lstStyle/>
           <a:p>
-            <a:fld id="{A79A9067-ADB1-4E73-928E-273DBD244C32}" type="datetimeFigureOut">
+            <a:fld id="{BD5D1127-EE06-4BC2-A588-568B5770243D}" type="datetimeFigureOut">
               <a:rPr lang="zh-CN" altLang="en-US" smtClean="0"/>
               <a:t>2024/3/10</a:t>
             </a:fld>
@@ -2075,7 +2075,7 @@
           <p:cNvPr id="3" name="页脚占位符 2">
             <a:extLst>
               <a:ext uri="{FF2B5EF4-FFF2-40B4-BE49-F238E27FC236}">
-                <a16:creationId xmlns:a16="http://schemas.microsoft.com/office/drawing/2014/main" id="{71FD8D49-BA7D-D3E5-D6DA-4C62E50A0C97}"/>
+                <a16:creationId xmlns:a16="http://schemas.microsoft.com/office/drawing/2014/main" id="{8BB1B0BB-2066-5997-A312-858D5A6DA7CB}"/>
               </a:ext>
             </a:extLst>
           </p:cNvPr>
@@ -2100,7 +2100,7 @@
           <p:cNvPr id="4" name="灯片编号占位符 3">
             <a:extLst>
               <a:ext uri="{FF2B5EF4-FFF2-40B4-BE49-F238E27FC236}">
-                <a16:creationId xmlns:a16="http://schemas.microsoft.com/office/drawing/2014/main" id="{43993C6A-61F7-60FE-253C-76E5BB7BAEED}"/>
+                <a16:creationId xmlns:a16="http://schemas.microsoft.com/office/drawing/2014/main" id="{F064FF2C-881F-9773-4BEA-1F759E755306}"/>
               </a:ext>
             </a:extLst>
           </p:cNvPr>
@@ -2116,7 +2116,7 @@
           <a:bodyPr/>
           <a:lstStyle/>
           <a:p>
-            <a:fld id="{A706024D-AE95-4A25-80A2-9B8F6485674B}" type="slidenum">
+            <a:fld id="{8541A7D5-5B32-44A0-BB33-EDD320D52431}" type="slidenum">
               <a:rPr lang="zh-CN" altLang="en-US" smtClean="0"/>
               <a:t>‹#›</a:t>
             </a:fld>
@@ -2127,7 +2127,7 @@
     </p:spTree>
     <p:extLst>
       <p:ext uri="{BB962C8B-B14F-4D97-AF65-F5344CB8AC3E}">
-        <p14:creationId xmlns:p14="http://schemas.microsoft.com/office/powerpoint/2010/main" val="3867440476"/>
+        <p14:creationId xmlns:p14="http://schemas.microsoft.com/office/powerpoint/2010/main" val="820936267"/>
       </p:ext>
     </p:extLst>
   </p:cSld>
@@ -2159,7 +2159,7 @@
           <p:cNvPr id="2" name="标题 1">
             <a:extLst>
               <a:ext uri="{FF2B5EF4-FFF2-40B4-BE49-F238E27FC236}">
-                <a16:creationId xmlns:a16="http://schemas.microsoft.com/office/drawing/2014/main" id="{D8B226C1-4FB8-0BDA-8749-6C96C8C247FB}"/>
+                <a16:creationId xmlns:a16="http://schemas.microsoft.com/office/drawing/2014/main" id="{6A4B79E2-7802-014A-6332-DE0394072D87}"/>
               </a:ext>
             </a:extLst>
           </p:cNvPr>
@@ -2196,7 +2196,7 @@
           <p:cNvPr id="3" name="内容占位符 2">
             <a:extLst>
               <a:ext uri="{FF2B5EF4-FFF2-40B4-BE49-F238E27FC236}">
-                <a16:creationId xmlns:a16="http://schemas.microsoft.com/office/drawing/2014/main" id="{CF3B6DFF-14C7-A3C7-7700-BAF62CB255F7}"/>
+                <a16:creationId xmlns:a16="http://schemas.microsoft.com/office/drawing/2014/main" id="{A5DF7ACA-4F14-2322-F093-97170FEB9BBE}"/>
               </a:ext>
             </a:extLst>
           </p:cNvPr>
@@ -2286,7 +2286,7 @@
           <p:cNvPr id="4" name="文本占位符 3">
             <a:extLst>
               <a:ext uri="{FF2B5EF4-FFF2-40B4-BE49-F238E27FC236}">
-                <a16:creationId xmlns:a16="http://schemas.microsoft.com/office/drawing/2014/main" id="{FCCFE84C-B7FB-D190-7AA3-23CD86907C0D}"/>
+                <a16:creationId xmlns:a16="http://schemas.microsoft.com/office/drawing/2014/main" id="{CF004C00-9D87-A89E-B7DE-7F54CA6372F9}"/>
               </a:ext>
             </a:extLst>
           </p:cNvPr>
@@ -2357,7 +2357,7 @@
           <p:cNvPr id="5" name="日期占位符 4">
             <a:extLst>
               <a:ext uri="{FF2B5EF4-FFF2-40B4-BE49-F238E27FC236}">
-                <a16:creationId xmlns:a16="http://schemas.microsoft.com/office/drawing/2014/main" id="{72E9FA02-0A13-9BA9-EDDB-5AE69589CA5B}"/>
+                <a16:creationId xmlns:a16="http://schemas.microsoft.com/office/drawing/2014/main" id="{54DB2D36-5253-744A-AB4D-1FA844444F51}"/>
               </a:ext>
             </a:extLst>
           </p:cNvPr>
@@ -2373,7 +2373,7 @@
           <a:bodyPr/>
           <a:lstStyle/>
           <a:p>
-            <a:fld id="{A79A9067-ADB1-4E73-928E-273DBD244C32}" type="datetimeFigureOut">
+            <a:fld id="{BD5D1127-EE06-4BC2-A588-568B5770243D}" type="datetimeFigureOut">
               <a:rPr lang="zh-CN" altLang="en-US" smtClean="0"/>
               <a:t>2024/3/10</a:t>
             </a:fld>
@@ -2386,7 +2386,7 @@
           <p:cNvPr id="6" name="页脚占位符 5">
             <a:extLst>
               <a:ext uri="{FF2B5EF4-FFF2-40B4-BE49-F238E27FC236}">
-                <a16:creationId xmlns:a16="http://schemas.microsoft.com/office/drawing/2014/main" id="{877BD479-17DA-E00F-DDFA-DF426F89EEBA}"/>
+                <a16:creationId xmlns:a16="http://schemas.microsoft.com/office/drawing/2014/main" id="{12A26B9B-4BC6-D044-08B2-BE778635A2DE}"/>
               </a:ext>
             </a:extLst>
           </p:cNvPr>
@@ -2411,7 +2411,7 @@
           <p:cNvPr id="7" name="灯片编号占位符 6">
             <a:extLst>
               <a:ext uri="{FF2B5EF4-FFF2-40B4-BE49-F238E27FC236}">
-                <a16:creationId xmlns:a16="http://schemas.microsoft.com/office/drawing/2014/main" id="{6C49C4B9-9015-06AA-D282-88E5BC56A7F0}"/>
+                <a16:creationId xmlns:a16="http://schemas.microsoft.com/office/drawing/2014/main" id="{1500262D-32E6-9926-E28B-A618C35CAC1C}"/>
               </a:ext>
             </a:extLst>
           </p:cNvPr>
@@ -2427,7 +2427,7 @@
           <a:bodyPr/>
           <a:lstStyle/>
           <a:p>
-            <a:fld id="{A706024D-AE95-4A25-80A2-9B8F6485674B}" type="slidenum">
+            <a:fld id="{8541A7D5-5B32-44A0-BB33-EDD320D52431}" type="slidenum">
               <a:rPr lang="zh-CN" altLang="en-US" smtClean="0"/>
               <a:t>‹#›</a:t>
             </a:fld>
@@ -2438,7 +2438,7 @@
     </p:spTree>
     <p:extLst>
       <p:ext uri="{BB962C8B-B14F-4D97-AF65-F5344CB8AC3E}">
-        <p14:creationId xmlns:p14="http://schemas.microsoft.com/office/powerpoint/2010/main" val="2064059280"/>
+        <p14:creationId xmlns:p14="http://schemas.microsoft.com/office/powerpoint/2010/main" val="1588365808"/>
       </p:ext>
     </p:extLst>
   </p:cSld>
@@ -2470,7 +2470,7 @@
           <p:cNvPr id="2" name="标题 1">
             <a:extLst>
               <a:ext uri="{FF2B5EF4-FFF2-40B4-BE49-F238E27FC236}">
-                <a16:creationId xmlns:a16="http://schemas.microsoft.com/office/drawing/2014/main" id="{7B3E0B44-F61E-6AC7-9DBF-EE79F596D9D3}"/>
+                <a16:creationId xmlns:a16="http://schemas.microsoft.com/office/drawing/2014/main" id="{2EDCC16C-83FE-45E3-0C13-84D378F6B0BA}"/>
               </a:ext>
             </a:extLst>
           </p:cNvPr>
@@ -2507,7 +2507,7 @@
           <p:cNvPr id="3" name="图片占位符 2">
             <a:extLst>
               <a:ext uri="{FF2B5EF4-FFF2-40B4-BE49-F238E27FC236}">
-                <a16:creationId xmlns:a16="http://schemas.microsoft.com/office/drawing/2014/main" id="{DEAF28B4-B53A-9949-BC68-F8E1ACFDD61F}"/>
+                <a16:creationId xmlns:a16="http://schemas.microsoft.com/office/drawing/2014/main" id="{ED699EA3-726D-B64E-E7D7-15CFB7CE9122}"/>
               </a:ext>
             </a:extLst>
           </p:cNvPr>
@@ -2574,7 +2574,7 @@
           <p:cNvPr id="4" name="文本占位符 3">
             <a:extLst>
               <a:ext uri="{FF2B5EF4-FFF2-40B4-BE49-F238E27FC236}">
-                <a16:creationId xmlns:a16="http://schemas.microsoft.com/office/drawing/2014/main" id="{BCA03722-D350-283C-22C3-F8A3DFD2B8C4}"/>
+                <a16:creationId xmlns:a16="http://schemas.microsoft.com/office/drawing/2014/main" id="{A39A7417-042C-409A-0E9A-ADCD813FFDC4}"/>
               </a:ext>
             </a:extLst>
           </p:cNvPr>
@@ -2645,7 +2645,7 @@
           <p:cNvPr id="5" name="日期占位符 4">
             <a:extLst>
               <a:ext uri="{FF2B5EF4-FFF2-40B4-BE49-F238E27FC236}">
-                <a16:creationId xmlns:a16="http://schemas.microsoft.com/office/drawing/2014/main" id="{9CB9F626-6D9E-3FC4-B769-E0F64A47560B}"/>
+                <a16:creationId xmlns:a16="http://schemas.microsoft.com/office/drawing/2014/main" id="{7728694A-BFCD-A36C-0334-853BD9CC000F}"/>
               </a:ext>
             </a:extLst>
           </p:cNvPr>
@@ -2661,7 +2661,7 @@
           <a:bodyPr/>
           <a:lstStyle/>
           <a:p>
-            <a:fld id="{A79A9067-ADB1-4E73-928E-273DBD244C32}" type="datetimeFigureOut">
+            <a:fld id="{BD5D1127-EE06-4BC2-A588-568B5770243D}" type="datetimeFigureOut">
               <a:rPr lang="zh-CN" altLang="en-US" smtClean="0"/>
               <a:t>2024/3/10</a:t>
             </a:fld>
@@ -2674,7 +2674,7 @@
           <p:cNvPr id="6" name="页脚占位符 5">
             <a:extLst>
               <a:ext uri="{FF2B5EF4-FFF2-40B4-BE49-F238E27FC236}">
-                <a16:creationId xmlns:a16="http://schemas.microsoft.com/office/drawing/2014/main" id="{A81A5F1C-3317-440E-73E8-A318DD88D410}"/>
+                <a16:creationId xmlns:a16="http://schemas.microsoft.com/office/drawing/2014/main" id="{7D201BEE-4110-F540-61FA-A3E51554A2F2}"/>
               </a:ext>
             </a:extLst>
           </p:cNvPr>
@@ -2699,7 +2699,7 @@
           <p:cNvPr id="7" name="灯片编号占位符 6">
             <a:extLst>
               <a:ext uri="{FF2B5EF4-FFF2-40B4-BE49-F238E27FC236}">
-                <a16:creationId xmlns:a16="http://schemas.microsoft.com/office/drawing/2014/main" id="{B863B53C-450A-B0A9-3225-BC2C0161151C}"/>
+                <a16:creationId xmlns:a16="http://schemas.microsoft.com/office/drawing/2014/main" id="{3F9F012D-B9BC-1C9F-1B01-A145C6281606}"/>
               </a:ext>
             </a:extLst>
           </p:cNvPr>
@@ -2715,7 +2715,7 @@
           <a:bodyPr/>
           <a:lstStyle/>
           <a:p>
-            <a:fld id="{A706024D-AE95-4A25-80A2-9B8F6485674B}" type="slidenum">
+            <a:fld id="{8541A7D5-5B32-44A0-BB33-EDD320D52431}" type="slidenum">
               <a:rPr lang="zh-CN" altLang="en-US" smtClean="0"/>
               <a:t>‹#›</a:t>
             </a:fld>
@@ -2726,7 +2726,7 @@
     </p:spTree>
     <p:extLst>
       <p:ext uri="{BB962C8B-B14F-4D97-AF65-F5344CB8AC3E}">
-        <p14:creationId xmlns:p14="http://schemas.microsoft.com/office/powerpoint/2010/main" val="1416668144"/>
+        <p14:creationId xmlns:p14="http://schemas.microsoft.com/office/powerpoint/2010/main" val="2376752574"/>
       </p:ext>
     </p:extLst>
   </p:cSld>
@@ -2763,7 +2763,7 @@
           <p:cNvPr id="2" name="标题占位符 1">
             <a:extLst>
               <a:ext uri="{FF2B5EF4-FFF2-40B4-BE49-F238E27FC236}">
-                <a16:creationId xmlns:a16="http://schemas.microsoft.com/office/drawing/2014/main" id="{AB80106F-7FCF-DE45-42EF-1CA755CA49C0}"/>
+                <a16:creationId xmlns:a16="http://schemas.microsoft.com/office/drawing/2014/main" id="{61BC1E9D-5E99-9AA6-0E2B-3ED037D5665B}"/>
               </a:ext>
             </a:extLst>
           </p:cNvPr>
@@ -2801,7 +2801,7 @@
           <p:cNvPr id="3" name="文本占位符 2">
             <a:extLst>
               <a:ext uri="{FF2B5EF4-FFF2-40B4-BE49-F238E27FC236}">
-                <a16:creationId xmlns:a16="http://schemas.microsoft.com/office/drawing/2014/main" id="{271DE868-4255-0B93-4928-BFAB824D6598}"/>
+                <a16:creationId xmlns:a16="http://schemas.microsoft.com/office/drawing/2014/main" id="{6C2C2DA1-8DF2-CF86-BB79-0F7762CC58FC}"/>
               </a:ext>
             </a:extLst>
           </p:cNvPr>
@@ -2868,7 +2868,7 @@
           <p:cNvPr id="4" name="日期占位符 3">
             <a:extLst>
               <a:ext uri="{FF2B5EF4-FFF2-40B4-BE49-F238E27FC236}">
-                <a16:creationId xmlns:a16="http://schemas.microsoft.com/office/drawing/2014/main" id="{747CE17C-72B7-4A17-9683-DF894A8006FA}"/>
+                <a16:creationId xmlns:a16="http://schemas.microsoft.com/office/drawing/2014/main" id="{91FDE9D6-1B2E-5869-6B6C-3A46FCB40479}"/>
               </a:ext>
             </a:extLst>
           </p:cNvPr>
@@ -2902,7 +2902,7 @@
             </a:lvl1pPr>
           </a:lstStyle>
           <a:p>
-            <a:fld id="{A79A9067-ADB1-4E73-928E-273DBD244C32}" type="datetimeFigureOut">
+            <a:fld id="{BD5D1127-EE06-4BC2-A588-568B5770243D}" type="datetimeFigureOut">
               <a:rPr lang="zh-CN" altLang="en-US" smtClean="0"/>
               <a:t>2024/3/10</a:t>
             </a:fld>
@@ -2915,7 +2915,7 @@
           <p:cNvPr id="5" name="页脚占位符 4">
             <a:extLst>
               <a:ext uri="{FF2B5EF4-FFF2-40B4-BE49-F238E27FC236}">
-                <a16:creationId xmlns:a16="http://schemas.microsoft.com/office/drawing/2014/main" id="{2C9EC633-59B7-1C96-C7F0-CF505BF2C734}"/>
+                <a16:creationId xmlns:a16="http://schemas.microsoft.com/office/drawing/2014/main" id="{78B246B1-3C98-7375-114E-CE2F595644C5}"/>
               </a:ext>
             </a:extLst>
           </p:cNvPr>
@@ -2958,7 +2958,7 @@
           <p:cNvPr id="6" name="灯片编号占位符 5">
             <a:extLst>
               <a:ext uri="{FF2B5EF4-FFF2-40B4-BE49-F238E27FC236}">
-                <a16:creationId xmlns:a16="http://schemas.microsoft.com/office/drawing/2014/main" id="{2BDBB54D-B163-5ACC-BB93-42C4BB0C7FE5}"/>
+                <a16:creationId xmlns:a16="http://schemas.microsoft.com/office/drawing/2014/main" id="{930B3DE9-3187-63C1-17D5-DDD96B4CFE87}"/>
               </a:ext>
             </a:extLst>
           </p:cNvPr>
@@ -2992,7 +2992,7 @@
             </a:lvl1pPr>
           </a:lstStyle>
           <a:p>
-            <a:fld id="{A706024D-AE95-4A25-80A2-9B8F6485674B}" type="slidenum">
+            <a:fld id="{8541A7D5-5B32-44A0-BB33-EDD320D52431}" type="slidenum">
               <a:rPr lang="zh-CN" altLang="en-US" smtClean="0"/>
               <a:t>‹#›</a:t>
             </a:fld>
@@ -3003,7 +3003,7 @@
     </p:spTree>
     <p:extLst>
       <p:ext uri="{BB962C8B-B14F-4D97-AF65-F5344CB8AC3E}">
-        <p14:creationId xmlns:p14="http://schemas.microsoft.com/office/powerpoint/2010/main" val="4121203261"/>
+        <p14:creationId xmlns:p14="http://schemas.microsoft.com/office/powerpoint/2010/main" val="3966505226"/>
       </p:ext>
     </p:extLst>
   </p:cSld>
